--- a/public/2022/03/08/learning-rate-schedule/source ppt.pptx
+++ b/public/2022/03/08/learning-rate-schedule/source ppt.pptx
@@ -3493,10 +3493,10 @@
       </p:grpSpPr>
       <p:grpSp>
         <p:nvGrpSpPr>
-          <p:cNvPr id="37" name="Group 36">
-            <a:extLst>
-              <a:ext uri="{FF2B5EF4-FFF2-40B4-BE49-F238E27FC236}">
-                <a16:creationId xmlns:a16="http://schemas.microsoft.com/office/drawing/2014/main" id="{98E9B304-39AC-4A0A-97BD-0BD43E92A4C7}"/>
+          <p:cNvPr id="42" name="Group 41">
+            <a:extLst>
+              <a:ext uri="{FF2B5EF4-FFF2-40B4-BE49-F238E27FC236}">
+                <a16:creationId xmlns:a16="http://schemas.microsoft.com/office/drawing/2014/main" id="{D1206FCE-3F41-4937-8278-84370F974763}"/>
               </a:ext>
             </a:extLst>
           </p:cNvPr>
@@ -3505,18 +3505,18 @@
         </p:nvGrpSpPr>
         <p:grpSpPr>
           <a:xfrm>
-            <a:off x="4604118" y="429126"/>
-            <a:ext cx="7209490" cy="6972874"/>
-            <a:chOff x="4604118" y="429126"/>
-            <a:chExt cx="7209490" cy="6972874"/>
+            <a:off x="4604117" y="-3061291"/>
+            <a:ext cx="7209491" cy="10463291"/>
+            <a:chOff x="4604117" y="-3061291"/>
+            <a:chExt cx="7209491" cy="10463291"/>
           </a:xfrm>
         </p:grpSpPr>
         <p:grpSp>
           <p:nvGrpSpPr>
-            <p:cNvPr id="34" name="Group 33">
+            <p:cNvPr id="37" name="Group 36">
               <a:extLst>
                 <a:ext uri="{FF2B5EF4-FFF2-40B4-BE49-F238E27FC236}">
-                  <a16:creationId xmlns:a16="http://schemas.microsoft.com/office/drawing/2014/main" id="{2F9F1FEB-01AA-4960-8505-E791D23CE884}"/>
+                  <a16:creationId xmlns:a16="http://schemas.microsoft.com/office/drawing/2014/main" id="{98E9B304-39AC-4A0A-97BD-0BD43E92A4C7}"/>
                 </a:ext>
               </a:extLst>
             </p:cNvPr>
@@ -3525,18 +3525,667 @@
           </p:nvGrpSpPr>
           <p:grpSpPr>
             <a:xfrm>
-              <a:off x="4604118" y="3915511"/>
-              <a:ext cx="3591427" cy="3486489"/>
-              <a:chOff x="4604118" y="4039336"/>
-              <a:chExt cx="3591427" cy="3486489"/>
+              <a:off x="4604118" y="429126"/>
+              <a:ext cx="7209490" cy="6972874"/>
+              <a:chOff x="4604118" y="429126"/>
+              <a:chExt cx="7209490" cy="6972874"/>
             </a:xfrm>
           </p:grpSpPr>
+          <p:grpSp>
+            <p:nvGrpSpPr>
+              <p:cNvPr id="34" name="Group 33">
+                <a:extLst>
+                  <a:ext uri="{FF2B5EF4-FFF2-40B4-BE49-F238E27FC236}">
+                    <a16:creationId xmlns:a16="http://schemas.microsoft.com/office/drawing/2014/main" id="{2F9F1FEB-01AA-4960-8505-E791D23CE884}"/>
+                  </a:ext>
+                </a:extLst>
+              </p:cNvPr>
+              <p:cNvGrpSpPr/>
+              <p:nvPr/>
+            </p:nvGrpSpPr>
+            <p:grpSpPr>
+              <a:xfrm>
+                <a:off x="4604118" y="3915511"/>
+                <a:ext cx="3591427" cy="3486489"/>
+                <a:chOff x="4604118" y="4039336"/>
+                <a:chExt cx="3591427" cy="3486489"/>
+              </a:xfrm>
+            </p:grpSpPr>
+            <p:sp>
+              <p:nvSpPr>
+                <p:cNvPr id="8" name="Rectangle 7">
+                  <a:extLst>
+                    <a:ext uri="{FF2B5EF4-FFF2-40B4-BE49-F238E27FC236}">
+                      <a16:creationId xmlns:a16="http://schemas.microsoft.com/office/drawing/2014/main" id="{035D018A-507A-4DDD-BC06-9141A32EF6A0}"/>
+                    </a:ext>
+                  </a:extLst>
+                </p:cNvPr>
+                <p:cNvSpPr/>
+                <p:nvPr/>
+              </p:nvSpPr>
+              <p:spPr>
+                <a:xfrm>
+                  <a:off x="4604119" y="4039336"/>
+                  <a:ext cx="3591426" cy="391565"/>
+                </a:xfrm>
+                <a:prstGeom prst="rect">
+                  <a:avLst/>
+                </a:prstGeom>
+                <a:solidFill>
+                  <a:srgbClr val="F5F5F5"/>
+                </a:solidFill>
+                <a:ln>
+                  <a:solidFill>
+                    <a:srgbClr val="F5F5F5"/>
+                  </a:solidFill>
+                </a:ln>
+              </p:spPr>
+              <p:style>
+                <a:lnRef idx="2">
+                  <a:schemeClr val="accent1">
+                    <a:shade val="50000"/>
+                  </a:schemeClr>
+                </a:lnRef>
+                <a:fillRef idx="1">
+                  <a:schemeClr val="accent1"/>
+                </a:fillRef>
+                <a:effectRef idx="0">
+                  <a:schemeClr val="accent1"/>
+                </a:effectRef>
+                <a:fontRef idx="minor">
+                  <a:schemeClr val="lt1"/>
+                </a:fontRef>
+              </p:style>
+              <p:txBody>
+                <a:bodyPr rtlCol="0" anchor="ctr"/>
+                <a:lstStyle/>
+                <a:p>
+                  <a:pPr algn="ctr"/>
+                  <a:endParaRPr lang="en-US"/>
+                </a:p>
+              </p:txBody>
+            </p:sp>
+            <p:sp>
+              <p:nvSpPr>
+                <p:cNvPr id="9" name="TextBox 8">
+                  <a:extLst>
+                    <a:ext uri="{FF2B5EF4-FFF2-40B4-BE49-F238E27FC236}">
+                      <a16:creationId xmlns:a16="http://schemas.microsoft.com/office/drawing/2014/main" id="{A08DB404-D609-4F27-97F8-5218C1A97E3F}"/>
+                    </a:ext>
+                  </a:extLst>
+                </p:cNvPr>
+                <p:cNvSpPr txBox="1"/>
+                <p:nvPr/>
+              </p:nvSpPr>
+              <p:spPr>
+                <a:xfrm>
+                  <a:off x="4679304" y="4119547"/>
+                  <a:ext cx="2318084" cy="276999"/>
+                </a:xfrm>
+                <a:prstGeom prst="rect">
+                  <a:avLst/>
+                </a:prstGeom>
+                <a:noFill/>
+              </p:spPr>
+              <p:txBody>
+                <a:bodyPr wrap="square" rtlCol="0">
+                  <a:spAutoFit/>
+                </a:bodyPr>
+                <a:lstStyle/>
+                <a:p>
+                  <a:r>
+                    <a:rPr lang="en-US" sz="1200" dirty="0"/>
+                    <a:t>Adam with SGD </a:t>
+                  </a:r>
+                  <a:r>
+                    <a:rPr lang="en-US" sz="1200" dirty="0" err="1"/>
+                    <a:t>T_mult</a:t>
+                  </a:r>
+                  <a:r>
+                    <a:rPr lang="en-US" sz="1200" dirty="0"/>
+                    <a:t>=2</a:t>
+                  </a:r>
+                </a:p>
+              </p:txBody>
+            </p:sp>
+            <p:pic>
+              <p:nvPicPr>
+                <p:cNvPr id="21" name="Picture 20">
+                  <a:extLst>
+                    <a:ext uri="{FF2B5EF4-FFF2-40B4-BE49-F238E27FC236}">
+                      <a16:creationId xmlns:a16="http://schemas.microsoft.com/office/drawing/2014/main" id="{F7112C68-423A-4093-A5BA-2C1A88F408AA}"/>
+                    </a:ext>
+                  </a:extLst>
+                </p:cNvPr>
+                <p:cNvPicPr>
+                  <a:picLocks noChangeAspect="1"/>
+                </p:cNvPicPr>
+                <p:nvPr/>
+              </p:nvPicPr>
+              <p:blipFill rotWithShape="1">
+                <a:blip r:embed="rId2"/>
+                <a:srcRect t="1630"/>
+                <a:stretch/>
+              </p:blipFill>
+              <p:spPr>
+                <a:xfrm>
+                  <a:off x="4604118" y="4430900"/>
+                  <a:ext cx="3591425" cy="3094925"/>
+                </a:xfrm>
+                <a:prstGeom prst="rect">
+                  <a:avLst/>
+                </a:prstGeom>
+              </p:spPr>
+            </p:pic>
+          </p:grpSp>
+          <p:grpSp>
+            <p:nvGrpSpPr>
+              <p:cNvPr id="35" name="Group 34">
+                <a:extLst>
+                  <a:ext uri="{FF2B5EF4-FFF2-40B4-BE49-F238E27FC236}">
+                    <a16:creationId xmlns:a16="http://schemas.microsoft.com/office/drawing/2014/main" id="{4A5849BB-CDC0-4E12-8A48-8AD3B0C28BBC}"/>
+                  </a:ext>
+                </a:extLst>
+              </p:cNvPr>
+              <p:cNvGrpSpPr/>
+              <p:nvPr/>
+            </p:nvGrpSpPr>
+            <p:grpSpPr>
+              <a:xfrm>
+                <a:off x="8298826" y="3915511"/>
+                <a:ext cx="3514782" cy="3421251"/>
+                <a:chOff x="8298826" y="4039336"/>
+                <a:chExt cx="3514782" cy="3421251"/>
+              </a:xfrm>
+            </p:grpSpPr>
+            <p:sp>
+              <p:nvSpPr>
+                <p:cNvPr id="33" name="Rectangle 32">
+                  <a:extLst>
+                    <a:ext uri="{FF2B5EF4-FFF2-40B4-BE49-F238E27FC236}">
+                      <a16:creationId xmlns:a16="http://schemas.microsoft.com/office/drawing/2014/main" id="{EF4658D1-1A21-4C79-9ED7-2B9DEB196A15}"/>
+                    </a:ext>
+                  </a:extLst>
+                </p:cNvPr>
+                <p:cNvSpPr/>
+                <p:nvPr/>
+              </p:nvSpPr>
+              <p:spPr>
+                <a:xfrm>
+                  <a:off x="8298828" y="4039336"/>
+                  <a:ext cx="3506698" cy="391565"/>
+                </a:xfrm>
+                <a:prstGeom prst="rect">
+                  <a:avLst/>
+                </a:prstGeom>
+                <a:solidFill>
+                  <a:srgbClr val="F5F5F5"/>
+                </a:solidFill>
+                <a:ln>
+                  <a:solidFill>
+                    <a:srgbClr val="F5F5F5"/>
+                  </a:solidFill>
+                </a:ln>
+              </p:spPr>
+              <p:style>
+                <a:lnRef idx="2">
+                  <a:schemeClr val="accent1">
+                    <a:shade val="50000"/>
+                  </a:schemeClr>
+                </a:lnRef>
+                <a:fillRef idx="1">
+                  <a:schemeClr val="accent1"/>
+                </a:fillRef>
+                <a:effectRef idx="0">
+                  <a:schemeClr val="accent1"/>
+                </a:effectRef>
+                <a:fontRef idx="minor">
+                  <a:schemeClr val="lt1"/>
+                </a:fontRef>
+              </p:style>
+              <p:txBody>
+                <a:bodyPr rtlCol="0" anchor="ctr"/>
+                <a:lstStyle/>
+                <a:p>
+                  <a:pPr algn="ctr"/>
+                  <a:endParaRPr lang="en-US"/>
+                </a:p>
+              </p:txBody>
+            </p:sp>
+            <p:sp>
+              <p:nvSpPr>
+                <p:cNvPr id="10" name="TextBox 9">
+                  <a:extLst>
+                    <a:ext uri="{FF2B5EF4-FFF2-40B4-BE49-F238E27FC236}">
+                      <a16:creationId xmlns:a16="http://schemas.microsoft.com/office/drawing/2014/main" id="{4DCF00C8-94B7-4EC9-80B1-FB27407911E8}"/>
+                    </a:ext>
+                  </a:extLst>
+                </p:cNvPr>
+                <p:cNvSpPr txBox="1"/>
+                <p:nvPr/>
+              </p:nvSpPr>
+              <p:spPr>
+                <a:xfrm>
+                  <a:off x="8422651" y="4119547"/>
+                  <a:ext cx="2318084" cy="276999"/>
+                </a:xfrm>
+                <a:prstGeom prst="rect">
+                  <a:avLst/>
+                </a:prstGeom>
+                <a:noFill/>
+              </p:spPr>
+              <p:txBody>
+                <a:bodyPr wrap="square" rtlCol="0">
+                  <a:spAutoFit/>
+                </a:bodyPr>
+                <a:lstStyle/>
+                <a:p>
+                  <a:r>
+                    <a:rPr lang="en-US" sz="1200" dirty="0" err="1"/>
+                    <a:t>AdamW</a:t>
+                  </a:r>
+                  <a:r>
+                    <a:rPr lang="en-US" sz="1200" dirty="0"/>
+                    <a:t> with SGD </a:t>
+                  </a:r>
+                  <a:r>
+                    <a:rPr lang="en-US" sz="1200" dirty="0" err="1"/>
+                    <a:t>T_mult</a:t>
+                  </a:r>
+                  <a:r>
+                    <a:rPr lang="en-US" sz="1200" dirty="0"/>
+                    <a:t>=2</a:t>
+                  </a:r>
+                </a:p>
+              </p:txBody>
+            </p:sp>
+            <p:pic>
+              <p:nvPicPr>
+                <p:cNvPr id="23" name="Picture 22">
+                  <a:extLst>
+                    <a:ext uri="{FF2B5EF4-FFF2-40B4-BE49-F238E27FC236}">
+                      <a16:creationId xmlns:a16="http://schemas.microsoft.com/office/drawing/2014/main" id="{58284637-7CD9-47AF-A342-E8626AD89862}"/>
+                    </a:ext>
+                  </a:extLst>
+                </p:cNvPr>
+                <p:cNvPicPr>
+                  <a:picLocks noChangeAspect="1"/>
+                </p:cNvPicPr>
+                <p:nvPr/>
+              </p:nvPicPr>
+              <p:blipFill rotWithShape="1">
+                <a:blip r:embed="rId3"/>
+                <a:srcRect l="1" r="2681"/>
+                <a:stretch/>
+              </p:blipFill>
+              <p:spPr>
+                <a:xfrm>
+                  <a:off x="8298826" y="4381523"/>
+                  <a:ext cx="3514782" cy="3079064"/>
+                </a:xfrm>
+                <a:prstGeom prst="rect">
+                  <a:avLst/>
+                </a:prstGeom>
+              </p:spPr>
+            </p:pic>
+          </p:grpSp>
+          <p:grpSp>
+            <p:nvGrpSpPr>
+              <p:cNvPr id="24" name="Group 23">
+                <a:extLst>
+                  <a:ext uri="{FF2B5EF4-FFF2-40B4-BE49-F238E27FC236}">
+                    <a16:creationId xmlns:a16="http://schemas.microsoft.com/office/drawing/2014/main" id="{624188C8-F6F7-48BF-A9A4-FC7E278C0AA9}"/>
+                  </a:ext>
+                </a:extLst>
+              </p:cNvPr>
+              <p:cNvGrpSpPr/>
+              <p:nvPr/>
+            </p:nvGrpSpPr>
+            <p:grpSpPr>
+              <a:xfrm>
+                <a:off x="4604119" y="429126"/>
+                <a:ext cx="3591426" cy="3352507"/>
+                <a:chOff x="4604119" y="1572126"/>
+                <a:chExt cx="3591426" cy="3352507"/>
+              </a:xfrm>
+            </p:grpSpPr>
+            <p:sp>
+              <p:nvSpPr>
+                <p:cNvPr id="25" name="Rectangle 24">
+                  <a:extLst>
+                    <a:ext uri="{FF2B5EF4-FFF2-40B4-BE49-F238E27FC236}">
+                      <a16:creationId xmlns:a16="http://schemas.microsoft.com/office/drawing/2014/main" id="{5A918470-6227-4FCB-9247-D11BE6D7D624}"/>
+                    </a:ext>
+                  </a:extLst>
+                </p:cNvPr>
+                <p:cNvSpPr/>
+                <p:nvPr/>
+              </p:nvSpPr>
+              <p:spPr>
+                <a:xfrm>
+                  <a:off x="4604120" y="1572126"/>
+                  <a:ext cx="3591425" cy="391565"/>
+                </a:xfrm>
+                <a:prstGeom prst="rect">
+                  <a:avLst/>
+                </a:prstGeom>
+                <a:solidFill>
+                  <a:srgbClr val="F5F5F5"/>
+                </a:solidFill>
+                <a:ln>
+                  <a:solidFill>
+                    <a:srgbClr val="F5F5F5"/>
+                  </a:solidFill>
+                </a:ln>
+              </p:spPr>
+              <p:style>
+                <a:lnRef idx="2">
+                  <a:schemeClr val="accent1">
+                    <a:shade val="50000"/>
+                  </a:schemeClr>
+                </a:lnRef>
+                <a:fillRef idx="1">
+                  <a:schemeClr val="accent1"/>
+                </a:fillRef>
+                <a:effectRef idx="0">
+                  <a:schemeClr val="accent1"/>
+                </a:effectRef>
+                <a:fontRef idx="minor">
+                  <a:schemeClr val="lt1"/>
+                </a:fontRef>
+              </p:style>
+              <p:txBody>
+                <a:bodyPr rtlCol="0" anchor="ctr"/>
+                <a:lstStyle/>
+                <a:p>
+                  <a:pPr algn="ctr"/>
+                  <a:endParaRPr lang="en-US"/>
+                </a:p>
+              </p:txBody>
+            </p:sp>
+            <p:sp>
+              <p:nvSpPr>
+                <p:cNvPr id="26" name="TextBox 25">
+                  <a:extLst>
+                    <a:ext uri="{FF2B5EF4-FFF2-40B4-BE49-F238E27FC236}">
+                      <a16:creationId xmlns:a16="http://schemas.microsoft.com/office/drawing/2014/main" id="{14169A02-1465-40C8-9084-0E4D259FF956}"/>
+                    </a:ext>
+                  </a:extLst>
+                </p:cNvPr>
+                <p:cNvSpPr txBox="1"/>
+                <p:nvPr/>
+              </p:nvSpPr>
+              <p:spPr>
+                <a:xfrm>
+                  <a:off x="4604120" y="1656119"/>
+                  <a:ext cx="2318084" cy="461665"/>
+                </a:xfrm>
+                <a:prstGeom prst="rect">
+                  <a:avLst/>
+                </a:prstGeom>
+                <a:noFill/>
+              </p:spPr>
+              <p:txBody>
+                <a:bodyPr wrap="square" rtlCol="0">
+                  <a:spAutoFit/>
+                </a:bodyPr>
+                <a:lstStyle/>
+                <a:p>
+                  <a:r>
+                    <a:rPr lang="en-US" sz="1200" dirty="0"/>
+                    <a:t>Adam with SGD </a:t>
+                  </a:r>
+                  <a:r>
+                    <a:rPr lang="en-US" sz="1200" dirty="0" err="1"/>
+                    <a:t>T_mult</a:t>
+                  </a:r>
+                  <a:r>
+                    <a:rPr lang="en-US" sz="1200" dirty="0"/>
+                    <a:t>=1</a:t>
+                  </a:r>
+                </a:p>
+                <a:p>
+                  <a:endParaRPr lang="en-US" sz="1200" dirty="0"/>
+                </a:p>
+              </p:txBody>
+            </p:sp>
+            <p:pic>
+              <p:nvPicPr>
+                <p:cNvPr id="27" name="Picture 26">
+                  <a:extLst>
+                    <a:ext uri="{FF2B5EF4-FFF2-40B4-BE49-F238E27FC236}">
+                      <a16:creationId xmlns:a16="http://schemas.microsoft.com/office/drawing/2014/main" id="{FEE98AA7-A887-4F9C-9753-F42EBE76B939}"/>
+                    </a:ext>
+                  </a:extLst>
+                </p:cNvPr>
+                <p:cNvPicPr>
+                  <a:picLocks noChangeAspect="1"/>
+                </p:cNvPicPr>
+                <p:nvPr/>
+              </p:nvPicPr>
+              <p:blipFill rotWithShape="1">
+                <a:blip r:embed="rId4"/>
+                <a:srcRect t="955" b="1"/>
+                <a:stretch/>
+              </p:blipFill>
+              <p:spPr>
+                <a:xfrm>
+                  <a:off x="4604119" y="1961945"/>
+                  <a:ext cx="3591426" cy="2962688"/>
+                </a:xfrm>
+                <a:prstGeom prst="rect">
+                  <a:avLst/>
+                </a:prstGeom>
+              </p:spPr>
+            </p:pic>
+          </p:grpSp>
+          <p:grpSp>
+            <p:nvGrpSpPr>
+              <p:cNvPr id="28" name="Group 27">
+                <a:extLst>
+                  <a:ext uri="{FF2B5EF4-FFF2-40B4-BE49-F238E27FC236}">
+                    <a16:creationId xmlns:a16="http://schemas.microsoft.com/office/drawing/2014/main" id="{6013879F-4DAA-400D-B70F-46F7EA4AE4BB}"/>
+                  </a:ext>
+                </a:extLst>
+              </p:cNvPr>
+              <p:cNvGrpSpPr/>
+              <p:nvPr/>
+            </p:nvGrpSpPr>
+            <p:grpSpPr>
+              <a:xfrm>
+                <a:off x="8298827" y="429126"/>
+                <a:ext cx="3458059" cy="3333455"/>
+                <a:chOff x="8298827" y="1572126"/>
+                <a:chExt cx="3458059" cy="3333455"/>
+              </a:xfrm>
+            </p:grpSpPr>
+            <p:pic>
+              <p:nvPicPr>
+                <p:cNvPr id="29" name="Picture 28">
+                  <a:extLst>
+                    <a:ext uri="{FF2B5EF4-FFF2-40B4-BE49-F238E27FC236}">
+                      <a16:creationId xmlns:a16="http://schemas.microsoft.com/office/drawing/2014/main" id="{18DBA980-8592-4DBC-AF92-E68418AD6B89}"/>
+                    </a:ext>
+                  </a:extLst>
+                </p:cNvPr>
+                <p:cNvPicPr>
+                  <a:picLocks noChangeAspect="1"/>
+                </p:cNvPicPr>
+                <p:nvPr/>
+              </p:nvPicPr>
+              <p:blipFill rotWithShape="1">
+                <a:blip r:embed="rId5"/>
+                <a:srcRect t="323"/>
+                <a:stretch/>
+              </p:blipFill>
+              <p:spPr>
+                <a:xfrm>
+                  <a:off x="8298827" y="1961945"/>
+                  <a:ext cx="3458058" cy="2943636"/>
+                </a:xfrm>
+                <a:prstGeom prst="rect">
+                  <a:avLst/>
+                </a:prstGeom>
+              </p:spPr>
+            </p:pic>
+            <p:sp>
+              <p:nvSpPr>
+                <p:cNvPr id="30" name="Rectangle 29">
+                  <a:extLst>
+                    <a:ext uri="{FF2B5EF4-FFF2-40B4-BE49-F238E27FC236}">
+                      <a16:creationId xmlns:a16="http://schemas.microsoft.com/office/drawing/2014/main" id="{C740B73A-7327-4DC4-8C10-CF53181F66B7}"/>
+                    </a:ext>
+                  </a:extLst>
+                </p:cNvPr>
+                <p:cNvSpPr/>
+                <p:nvPr/>
+              </p:nvSpPr>
+              <p:spPr>
+                <a:xfrm>
+                  <a:off x="8298828" y="1572126"/>
+                  <a:ext cx="3458058" cy="456699"/>
+                </a:xfrm>
+                <a:prstGeom prst="rect">
+                  <a:avLst/>
+                </a:prstGeom>
+                <a:solidFill>
+                  <a:srgbClr val="F5F5F5"/>
+                </a:solidFill>
+                <a:ln>
+                  <a:solidFill>
+                    <a:srgbClr val="F5F5F5"/>
+                  </a:solidFill>
+                </a:ln>
+              </p:spPr>
+              <p:style>
+                <a:lnRef idx="2">
+                  <a:schemeClr val="accent1">
+                    <a:shade val="50000"/>
+                  </a:schemeClr>
+                </a:lnRef>
+                <a:fillRef idx="1">
+                  <a:schemeClr val="accent1"/>
+                </a:fillRef>
+                <a:effectRef idx="0">
+                  <a:schemeClr val="accent1"/>
+                </a:effectRef>
+                <a:fontRef idx="minor">
+                  <a:schemeClr val="lt1"/>
+                </a:fontRef>
+              </p:style>
+              <p:txBody>
+                <a:bodyPr rtlCol="0" anchor="ctr"/>
+                <a:lstStyle/>
+                <a:p>
+                  <a:pPr algn="ctr"/>
+                  <a:endParaRPr lang="en-US"/>
+                </a:p>
+              </p:txBody>
+            </p:sp>
+            <p:sp>
+              <p:nvSpPr>
+                <p:cNvPr id="31" name="TextBox 30">
+                  <a:extLst>
+                    <a:ext uri="{FF2B5EF4-FFF2-40B4-BE49-F238E27FC236}">
+                      <a16:creationId xmlns:a16="http://schemas.microsoft.com/office/drawing/2014/main" id="{7CDF196A-673B-461E-8135-736AAA765208}"/>
+                    </a:ext>
+                  </a:extLst>
+                </p:cNvPr>
+                <p:cNvSpPr txBox="1"/>
+                <p:nvPr/>
+              </p:nvSpPr>
+              <p:spPr>
+                <a:xfrm>
+                  <a:off x="8420808" y="1652337"/>
+                  <a:ext cx="2318084" cy="276999"/>
+                </a:xfrm>
+                <a:prstGeom prst="rect">
+                  <a:avLst/>
+                </a:prstGeom>
+                <a:noFill/>
+              </p:spPr>
+              <p:txBody>
+                <a:bodyPr wrap="square" rtlCol="0">
+                  <a:spAutoFit/>
+                </a:bodyPr>
+                <a:lstStyle/>
+                <a:p>
+                  <a:r>
+                    <a:rPr lang="en-US" sz="1200" dirty="0" err="1"/>
+                    <a:t>AdamW</a:t>
+                  </a:r>
+                  <a:r>
+                    <a:rPr lang="en-US" sz="1200" dirty="0"/>
+                    <a:t> with SGD </a:t>
+                  </a:r>
+                  <a:r>
+                    <a:rPr lang="en-US" sz="1200" dirty="0" err="1"/>
+                    <a:t>T_mult</a:t>
+                  </a:r>
+                  <a:r>
+                    <a:rPr lang="en-US" sz="1200" dirty="0"/>
+                    <a:t>=1</a:t>
+                  </a:r>
+                </a:p>
+              </p:txBody>
+            </p:sp>
+          </p:grpSp>
+        </p:grpSp>
+        <p:grpSp>
+          <p:nvGrpSpPr>
+            <p:cNvPr id="38" name="Group 37">
+              <a:extLst>
+                <a:ext uri="{FF2B5EF4-FFF2-40B4-BE49-F238E27FC236}">
+                  <a16:creationId xmlns:a16="http://schemas.microsoft.com/office/drawing/2014/main" id="{B88ED306-F744-4A2A-8ED7-D6E0A5962410}"/>
+                </a:ext>
+              </a:extLst>
+            </p:cNvPr>
+            <p:cNvGrpSpPr/>
+            <p:nvPr/>
+          </p:nvGrpSpPr>
+          <p:grpSpPr>
+            <a:xfrm>
+              <a:off x="4604117" y="-3061291"/>
+              <a:ext cx="3591427" cy="3356539"/>
+              <a:chOff x="833198" y="1572126"/>
+              <a:chExt cx="3591427" cy="3356539"/>
+            </a:xfrm>
+          </p:grpSpPr>
+          <p:pic>
+            <p:nvPicPr>
+              <p:cNvPr id="39" name="Picture 38">
+                <a:extLst>
+                  <a:ext uri="{FF2B5EF4-FFF2-40B4-BE49-F238E27FC236}">
+                    <a16:creationId xmlns:a16="http://schemas.microsoft.com/office/drawing/2014/main" id="{5F2B39A3-5E62-4AA8-B31D-A08AF8D6C1D2}"/>
+                  </a:ext>
+                </a:extLst>
+              </p:cNvPr>
+              <p:cNvPicPr>
+                <a:picLocks noChangeAspect="1"/>
+              </p:cNvPicPr>
+              <p:nvPr/>
+            </p:nvPicPr>
+            <p:blipFill rotWithShape="1">
+              <a:blip r:embed="rId6"/>
+              <a:srcRect t="-1" r="2078" b="1111"/>
+              <a:stretch/>
+            </p:blipFill>
+            <p:spPr>
+              <a:xfrm>
+                <a:off x="833201" y="1895261"/>
+                <a:ext cx="3591424" cy="3033404"/>
+              </a:xfrm>
+              <a:prstGeom prst="rect">
+                <a:avLst/>
+              </a:prstGeom>
+            </p:spPr>
+          </p:pic>
           <p:sp>
             <p:nvSpPr>
-              <p:cNvPr id="8" name="Rectangle 7">
+              <p:cNvPr id="40" name="Rectangle 39">
                 <a:extLst>
                   <a:ext uri="{FF2B5EF4-FFF2-40B4-BE49-F238E27FC236}">
-                    <a16:creationId xmlns:a16="http://schemas.microsoft.com/office/drawing/2014/main" id="{035D018A-507A-4DDD-BC06-9141A32EF6A0}"/>
+                    <a16:creationId xmlns:a16="http://schemas.microsoft.com/office/drawing/2014/main" id="{B93ABFCC-BF25-4BEA-B0DF-DC8DE58A89E3}"/>
                   </a:ext>
                 </a:extLst>
               </p:cNvPr>
@@ -3545,7 +4194,7 @@
             </p:nvSpPr>
             <p:spPr>
               <a:xfrm>
-                <a:off x="4604119" y="4039336"/>
+                <a:off x="833198" y="1572126"/>
                 <a:ext cx="3591426" cy="391565"/>
               </a:xfrm>
               <a:prstGeom prst="rect">
@@ -3587,10 +4236,10 @@
           </p:sp>
           <p:sp>
             <p:nvSpPr>
-              <p:cNvPr id="9" name="TextBox 8">
+              <p:cNvPr id="41" name="TextBox 40">
                 <a:extLst>
                   <a:ext uri="{FF2B5EF4-FFF2-40B4-BE49-F238E27FC236}">
-                    <a16:creationId xmlns:a16="http://schemas.microsoft.com/office/drawing/2014/main" id="{A08DB404-D609-4F27-97F8-5218C1A97E3F}"/>
+                    <a16:creationId xmlns:a16="http://schemas.microsoft.com/office/drawing/2014/main" id="{C63B063F-8B24-4769-9EB5-5B2E353696EE}"/>
                   </a:ext>
                 </a:extLst>
               </p:cNvPr>
@@ -3599,8 +4248,8 @@
             </p:nvSpPr>
             <p:spPr>
               <a:xfrm>
-                <a:off x="4679304" y="4119547"/>
-                <a:ext cx="2318084" cy="276999"/>
+                <a:off x="908383" y="1652337"/>
+                <a:ext cx="3451237" cy="276999"/>
               </a:xfrm>
               <a:prstGeom prst="rect">
                 <a:avLst/>
@@ -3615,496 +4264,7 @@
               <a:p>
                 <a:r>
                   <a:rPr lang="en-US" sz="1200" dirty="0"/>
-                  <a:t>Adam with SGD </a:t>
-                </a:r>
-                <a:r>
-                  <a:rPr lang="en-US" sz="1200" dirty="0" err="1"/>
-                  <a:t>T_mult</a:t>
-                </a:r>
-                <a:r>
-                  <a:rPr lang="en-US" sz="1200" dirty="0"/>
-                  <a:t>=2</a:t>
-                </a:r>
-              </a:p>
-            </p:txBody>
-          </p:sp>
-          <p:pic>
-            <p:nvPicPr>
-              <p:cNvPr id="21" name="Picture 20">
-                <a:extLst>
-                  <a:ext uri="{FF2B5EF4-FFF2-40B4-BE49-F238E27FC236}">
-                    <a16:creationId xmlns:a16="http://schemas.microsoft.com/office/drawing/2014/main" id="{F7112C68-423A-4093-A5BA-2C1A88F408AA}"/>
-                  </a:ext>
-                </a:extLst>
-              </p:cNvPr>
-              <p:cNvPicPr>
-                <a:picLocks noChangeAspect="1"/>
-              </p:cNvPicPr>
-              <p:nvPr/>
-            </p:nvPicPr>
-            <p:blipFill rotWithShape="1">
-              <a:blip r:embed="rId2"/>
-              <a:srcRect t="1630"/>
-              <a:stretch/>
-            </p:blipFill>
-            <p:spPr>
-              <a:xfrm>
-                <a:off x="4604118" y="4430900"/>
-                <a:ext cx="3591425" cy="3094925"/>
-              </a:xfrm>
-              <a:prstGeom prst="rect">
-                <a:avLst/>
-              </a:prstGeom>
-            </p:spPr>
-          </p:pic>
-        </p:grpSp>
-        <p:grpSp>
-          <p:nvGrpSpPr>
-            <p:cNvPr id="35" name="Group 34">
-              <a:extLst>
-                <a:ext uri="{FF2B5EF4-FFF2-40B4-BE49-F238E27FC236}">
-                  <a16:creationId xmlns:a16="http://schemas.microsoft.com/office/drawing/2014/main" id="{4A5849BB-CDC0-4E12-8A48-8AD3B0C28BBC}"/>
-                </a:ext>
-              </a:extLst>
-            </p:cNvPr>
-            <p:cNvGrpSpPr/>
-            <p:nvPr/>
-          </p:nvGrpSpPr>
-          <p:grpSpPr>
-            <a:xfrm>
-              <a:off x="8298826" y="3915511"/>
-              <a:ext cx="3514782" cy="3421251"/>
-              <a:chOff x="8298826" y="4039336"/>
-              <a:chExt cx="3514782" cy="3421251"/>
-            </a:xfrm>
-          </p:grpSpPr>
-          <p:sp>
-            <p:nvSpPr>
-              <p:cNvPr id="33" name="Rectangle 32">
-                <a:extLst>
-                  <a:ext uri="{FF2B5EF4-FFF2-40B4-BE49-F238E27FC236}">
-                    <a16:creationId xmlns:a16="http://schemas.microsoft.com/office/drawing/2014/main" id="{EF4658D1-1A21-4C79-9ED7-2B9DEB196A15}"/>
-                  </a:ext>
-                </a:extLst>
-              </p:cNvPr>
-              <p:cNvSpPr/>
-              <p:nvPr/>
-            </p:nvSpPr>
-            <p:spPr>
-              <a:xfrm>
-                <a:off x="8298828" y="4039336"/>
-                <a:ext cx="3506698" cy="391565"/>
-              </a:xfrm>
-              <a:prstGeom prst="rect">
-                <a:avLst/>
-              </a:prstGeom>
-              <a:solidFill>
-                <a:srgbClr val="F5F5F5"/>
-              </a:solidFill>
-              <a:ln>
-                <a:solidFill>
-                  <a:srgbClr val="F5F5F5"/>
-                </a:solidFill>
-              </a:ln>
-            </p:spPr>
-            <p:style>
-              <a:lnRef idx="2">
-                <a:schemeClr val="accent1">
-                  <a:shade val="50000"/>
-                </a:schemeClr>
-              </a:lnRef>
-              <a:fillRef idx="1">
-                <a:schemeClr val="accent1"/>
-              </a:fillRef>
-              <a:effectRef idx="0">
-                <a:schemeClr val="accent1"/>
-              </a:effectRef>
-              <a:fontRef idx="minor">
-                <a:schemeClr val="lt1"/>
-              </a:fontRef>
-            </p:style>
-            <p:txBody>
-              <a:bodyPr rtlCol="0" anchor="ctr"/>
-              <a:lstStyle/>
-              <a:p>
-                <a:pPr algn="ctr"/>
-                <a:endParaRPr lang="en-US"/>
-              </a:p>
-            </p:txBody>
-          </p:sp>
-          <p:sp>
-            <p:nvSpPr>
-              <p:cNvPr id="10" name="TextBox 9">
-                <a:extLst>
-                  <a:ext uri="{FF2B5EF4-FFF2-40B4-BE49-F238E27FC236}">
-                    <a16:creationId xmlns:a16="http://schemas.microsoft.com/office/drawing/2014/main" id="{4DCF00C8-94B7-4EC9-80B1-FB27407911E8}"/>
-                  </a:ext>
-                </a:extLst>
-              </p:cNvPr>
-              <p:cNvSpPr txBox="1"/>
-              <p:nvPr/>
-            </p:nvSpPr>
-            <p:spPr>
-              <a:xfrm>
-                <a:off x="8422651" y="4119547"/>
-                <a:ext cx="2318084" cy="276999"/>
-              </a:xfrm>
-              <a:prstGeom prst="rect">
-                <a:avLst/>
-              </a:prstGeom>
-              <a:noFill/>
-            </p:spPr>
-            <p:txBody>
-              <a:bodyPr wrap="square" rtlCol="0">
-                <a:spAutoFit/>
-              </a:bodyPr>
-              <a:lstStyle/>
-              <a:p>
-                <a:r>
-                  <a:rPr lang="en-US" sz="1200" dirty="0" err="1"/>
-                  <a:t>AdamW</a:t>
-                </a:r>
-                <a:r>
-                  <a:rPr lang="en-US" sz="1200" dirty="0"/>
-                  <a:t> with SGD </a:t>
-                </a:r>
-                <a:r>
-                  <a:rPr lang="en-US" sz="1200" dirty="0" err="1"/>
-                  <a:t>T_mult</a:t>
-                </a:r>
-                <a:r>
-                  <a:rPr lang="en-US" sz="1200" dirty="0"/>
-                  <a:t>=2</a:t>
-                </a:r>
-              </a:p>
-            </p:txBody>
-          </p:sp>
-          <p:pic>
-            <p:nvPicPr>
-              <p:cNvPr id="23" name="Picture 22">
-                <a:extLst>
-                  <a:ext uri="{FF2B5EF4-FFF2-40B4-BE49-F238E27FC236}">
-                    <a16:creationId xmlns:a16="http://schemas.microsoft.com/office/drawing/2014/main" id="{58284637-7CD9-47AF-A342-E8626AD89862}"/>
-                  </a:ext>
-                </a:extLst>
-              </p:cNvPr>
-              <p:cNvPicPr>
-                <a:picLocks noChangeAspect="1"/>
-              </p:cNvPicPr>
-              <p:nvPr/>
-            </p:nvPicPr>
-            <p:blipFill rotWithShape="1">
-              <a:blip r:embed="rId3"/>
-              <a:srcRect l="1" r="2681"/>
-              <a:stretch/>
-            </p:blipFill>
-            <p:spPr>
-              <a:xfrm>
-                <a:off x="8298826" y="4381523"/>
-                <a:ext cx="3514782" cy="3079064"/>
-              </a:xfrm>
-              <a:prstGeom prst="rect">
-                <a:avLst/>
-              </a:prstGeom>
-            </p:spPr>
-          </p:pic>
-        </p:grpSp>
-        <p:grpSp>
-          <p:nvGrpSpPr>
-            <p:cNvPr id="24" name="Group 23">
-              <a:extLst>
-                <a:ext uri="{FF2B5EF4-FFF2-40B4-BE49-F238E27FC236}">
-                  <a16:creationId xmlns:a16="http://schemas.microsoft.com/office/drawing/2014/main" id="{624188C8-F6F7-48BF-A9A4-FC7E278C0AA9}"/>
-                </a:ext>
-              </a:extLst>
-            </p:cNvPr>
-            <p:cNvGrpSpPr/>
-            <p:nvPr/>
-          </p:nvGrpSpPr>
-          <p:grpSpPr>
-            <a:xfrm>
-              <a:off x="4604119" y="429126"/>
-              <a:ext cx="3591426" cy="3352507"/>
-              <a:chOff x="4604119" y="1572126"/>
-              <a:chExt cx="3591426" cy="3352507"/>
-            </a:xfrm>
-          </p:grpSpPr>
-          <p:sp>
-            <p:nvSpPr>
-              <p:cNvPr id="25" name="Rectangle 24">
-                <a:extLst>
-                  <a:ext uri="{FF2B5EF4-FFF2-40B4-BE49-F238E27FC236}">
-                    <a16:creationId xmlns:a16="http://schemas.microsoft.com/office/drawing/2014/main" id="{5A918470-6227-4FCB-9247-D11BE6D7D624}"/>
-                  </a:ext>
-                </a:extLst>
-              </p:cNvPr>
-              <p:cNvSpPr/>
-              <p:nvPr/>
-            </p:nvSpPr>
-            <p:spPr>
-              <a:xfrm>
-                <a:off x="4604120" y="1572126"/>
-                <a:ext cx="3591425" cy="391565"/>
-              </a:xfrm>
-              <a:prstGeom prst="rect">
-                <a:avLst/>
-              </a:prstGeom>
-              <a:solidFill>
-                <a:srgbClr val="F5F5F5"/>
-              </a:solidFill>
-              <a:ln>
-                <a:solidFill>
-                  <a:srgbClr val="F5F5F5"/>
-                </a:solidFill>
-              </a:ln>
-            </p:spPr>
-            <p:style>
-              <a:lnRef idx="2">
-                <a:schemeClr val="accent1">
-                  <a:shade val="50000"/>
-                </a:schemeClr>
-              </a:lnRef>
-              <a:fillRef idx="1">
-                <a:schemeClr val="accent1"/>
-              </a:fillRef>
-              <a:effectRef idx="0">
-                <a:schemeClr val="accent1"/>
-              </a:effectRef>
-              <a:fontRef idx="minor">
-                <a:schemeClr val="lt1"/>
-              </a:fontRef>
-            </p:style>
-            <p:txBody>
-              <a:bodyPr rtlCol="0" anchor="ctr"/>
-              <a:lstStyle/>
-              <a:p>
-                <a:pPr algn="ctr"/>
-                <a:endParaRPr lang="en-US"/>
-              </a:p>
-            </p:txBody>
-          </p:sp>
-          <p:sp>
-            <p:nvSpPr>
-              <p:cNvPr id="26" name="TextBox 25">
-                <a:extLst>
-                  <a:ext uri="{FF2B5EF4-FFF2-40B4-BE49-F238E27FC236}">
-                    <a16:creationId xmlns:a16="http://schemas.microsoft.com/office/drawing/2014/main" id="{14169A02-1465-40C8-9084-0E4D259FF956}"/>
-                  </a:ext>
-                </a:extLst>
-              </p:cNvPr>
-              <p:cNvSpPr txBox="1"/>
-              <p:nvPr/>
-            </p:nvSpPr>
-            <p:spPr>
-              <a:xfrm>
-                <a:off x="4604120" y="1656119"/>
-                <a:ext cx="2318084" cy="461665"/>
-              </a:xfrm>
-              <a:prstGeom prst="rect">
-                <a:avLst/>
-              </a:prstGeom>
-              <a:noFill/>
-            </p:spPr>
-            <p:txBody>
-              <a:bodyPr wrap="square" rtlCol="0">
-                <a:spAutoFit/>
-              </a:bodyPr>
-              <a:lstStyle/>
-              <a:p>
-                <a:r>
-                  <a:rPr lang="en-US" sz="1200" dirty="0"/>
-                  <a:t>Adam with SGD </a:t>
-                </a:r>
-                <a:r>
-                  <a:rPr lang="en-US" sz="1200" dirty="0" err="1"/>
-                  <a:t>T_mult</a:t>
-                </a:r>
-                <a:r>
-                  <a:rPr lang="en-US" sz="1200" dirty="0"/>
-                  <a:t>=1</a:t>
-                </a:r>
-              </a:p>
-              <a:p>
-                <a:endParaRPr lang="en-US" sz="1200" dirty="0"/>
-              </a:p>
-            </p:txBody>
-          </p:sp>
-          <p:pic>
-            <p:nvPicPr>
-              <p:cNvPr id="27" name="Picture 26">
-                <a:extLst>
-                  <a:ext uri="{FF2B5EF4-FFF2-40B4-BE49-F238E27FC236}">
-                    <a16:creationId xmlns:a16="http://schemas.microsoft.com/office/drawing/2014/main" id="{FEE98AA7-A887-4F9C-9753-F42EBE76B939}"/>
-                  </a:ext>
-                </a:extLst>
-              </p:cNvPr>
-              <p:cNvPicPr>
-                <a:picLocks noChangeAspect="1"/>
-              </p:cNvPicPr>
-              <p:nvPr/>
-            </p:nvPicPr>
-            <p:blipFill rotWithShape="1">
-              <a:blip r:embed="rId4"/>
-              <a:srcRect t="955" b="1"/>
-              <a:stretch/>
-            </p:blipFill>
-            <p:spPr>
-              <a:xfrm>
-                <a:off x="4604119" y="1961945"/>
-                <a:ext cx="3591426" cy="2962688"/>
-              </a:xfrm>
-              <a:prstGeom prst="rect">
-                <a:avLst/>
-              </a:prstGeom>
-            </p:spPr>
-          </p:pic>
-        </p:grpSp>
-        <p:grpSp>
-          <p:nvGrpSpPr>
-            <p:cNvPr id="28" name="Group 27">
-              <a:extLst>
-                <a:ext uri="{FF2B5EF4-FFF2-40B4-BE49-F238E27FC236}">
-                  <a16:creationId xmlns:a16="http://schemas.microsoft.com/office/drawing/2014/main" id="{6013879F-4DAA-400D-B70F-46F7EA4AE4BB}"/>
-                </a:ext>
-              </a:extLst>
-            </p:cNvPr>
-            <p:cNvGrpSpPr/>
-            <p:nvPr/>
-          </p:nvGrpSpPr>
-          <p:grpSpPr>
-            <a:xfrm>
-              <a:off x="8298827" y="429126"/>
-              <a:ext cx="3458059" cy="3333455"/>
-              <a:chOff x="8298827" y="1572126"/>
-              <a:chExt cx="3458059" cy="3333455"/>
-            </a:xfrm>
-          </p:grpSpPr>
-          <p:pic>
-            <p:nvPicPr>
-              <p:cNvPr id="29" name="Picture 28">
-                <a:extLst>
-                  <a:ext uri="{FF2B5EF4-FFF2-40B4-BE49-F238E27FC236}">
-                    <a16:creationId xmlns:a16="http://schemas.microsoft.com/office/drawing/2014/main" id="{18DBA980-8592-4DBC-AF92-E68418AD6B89}"/>
-                  </a:ext>
-                </a:extLst>
-              </p:cNvPr>
-              <p:cNvPicPr>
-                <a:picLocks noChangeAspect="1"/>
-              </p:cNvPicPr>
-              <p:nvPr/>
-            </p:nvPicPr>
-            <p:blipFill rotWithShape="1">
-              <a:blip r:embed="rId5"/>
-              <a:srcRect t="323"/>
-              <a:stretch/>
-            </p:blipFill>
-            <p:spPr>
-              <a:xfrm>
-                <a:off x="8298827" y="1961945"/>
-                <a:ext cx="3458058" cy="2943636"/>
-              </a:xfrm>
-              <a:prstGeom prst="rect">
-                <a:avLst/>
-              </a:prstGeom>
-            </p:spPr>
-          </p:pic>
-          <p:sp>
-            <p:nvSpPr>
-              <p:cNvPr id="30" name="Rectangle 29">
-                <a:extLst>
-                  <a:ext uri="{FF2B5EF4-FFF2-40B4-BE49-F238E27FC236}">
-                    <a16:creationId xmlns:a16="http://schemas.microsoft.com/office/drawing/2014/main" id="{C740B73A-7327-4DC4-8C10-CF53181F66B7}"/>
-                  </a:ext>
-                </a:extLst>
-              </p:cNvPr>
-              <p:cNvSpPr/>
-              <p:nvPr/>
-            </p:nvSpPr>
-            <p:spPr>
-              <a:xfrm>
-                <a:off x="8298828" y="1572126"/>
-                <a:ext cx="3458058" cy="456699"/>
-              </a:xfrm>
-              <a:prstGeom prst="rect">
-                <a:avLst/>
-              </a:prstGeom>
-              <a:solidFill>
-                <a:srgbClr val="F5F5F5"/>
-              </a:solidFill>
-              <a:ln>
-                <a:solidFill>
-                  <a:srgbClr val="F5F5F5"/>
-                </a:solidFill>
-              </a:ln>
-            </p:spPr>
-            <p:style>
-              <a:lnRef idx="2">
-                <a:schemeClr val="accent1">
-                  <a:shade val="50000"/>
-                </a:schemeClr>
-              </a:lnRef>
-              <a:fillRef idx="1">
-                <a:schemeClr val="accent1"/>
-              </a:fillRef>
-              <a:effectRef idx="0">
-                <a:schemeClr val="accent1"/>
-              </a:effectRef>
-              <a:fontRef idx="minor">
-                <a:schemeClr val="lt1"/>
-              </a:fontRef>
-            </p:style>
-            <p:txBody>
-              <a:bodyPr rtlCol="0" anchor="ctr"/>
-              <a:lstStyle/>
-              <a:p>
-                <a:pPr algn="ctr"/>
-                <a:endParaRPr lang="en-US"/>
-              </a:p>
-            </p:txBody>
-          </p:sp>
-          <p:sp>
-            <p:nvSpPr>
-              <p:cNvPr id="31" name="TextBox 30">
-                <a:extLst>
-                  <a:ext uri="{FF2B5EF4-FFF2-40B4-BE49-F238E27FC236}">
-                    <a16:creationId xmlns:a16="http://schemas.microsoft.com/office/drawing/2014/main" id="{7CDF196A-673B-461E-8135-736AAA765208}"/>
-                  </a:ext>
-                </a:extLst>
-              </p:cNvPr>
-              <p:cNvSpPr txBox="1"/>
-              <p:nvPr/>
-            </p:nvSpPr>
-            <p:spPr>
-              <a:xfrm>
-                <a:off x="8420808" y="1652337"/>
-                <a:ext cx="2318084" cy="276999"/>
-              </a:xfrm>
-              <a:prstGeom prst="rect">
-                <a:avLst/>
-              </a:prstGeom>
-              <a:noFill/>
-            </p:spPr>
-            <p:txBody>
-              <a:bodyPr wrap="square" rtlCol="0">
-                <a:spAutoFit/>
-              </a:bodyPr>
-              <a:lstStyle/>
-              <a:p>
-                <a:r>
-                  <a:rPr lang="en-US" sz="1200" dirty="0" err="1"/>
-                  <a:t>AdamW</a:t>
-                </a:r>
-                <a:r>
-                  <a:rPr lang="en-US" sz="1200" dirty="0"/>
-                  <a:t> with SGD </a:t>
-                </a:r>
-                <a:r>
-                  <a:rPr lang="en-US" sz="1200" dirty="0" err="1"/>
-                  <a:t>T_mult</a:t>
-                </a:r>
-                <a:r>
-                  <a:rPr lang="en-US" sz="1200" dirty="0"/>
-                  <a:t>=1</a:t>
+                  <a:t>Baseline: Adam with constant learning rate</a:t>
                 </a:r>
               </a:p>
             </p:txBody>
